--- a/presentation/Presentation.pptx
+++ b/presentation/Presentation.pptx
@@ -2,10 +2,11 @@
 <file path=ppt/presentation.xml><?xml version="1.0" encoding="utf-8"?>
 <p:presentation xmlns:a="http://schemas.openxmlformats.org/drawingml/2006/main" xmlns:r="http://schemas.openxmlformats.org/officeDocument/2006/relationships" xmlns:p="http://schemas.openxmlformats.org/presentationml/2006/main" saveSubsetFonts="1">
   <p:sldMasterIdLst>
-    <p:sldMasterId id="2147483660" r:id="rId1"/>
+    <p:sldMasterId id="2147483708" r:id="rId1"/>
   </p:sldMasterIdLst>
   <p:sldIdLst>
     <p:sldId id="256" r:id="rId2"/>
+    <p:sldId id="257" r:id="rId3"/>
   </p:sldIdLst>
   <p:sldSz cx="12192000" cy="6858000"/>
   <p:notesSz cx="6858000" cy="9144000"/>
@@ -115,6 +116,165 @@
 <file path=ppt/changesInfos/changesInfo1.xml><?xml version="1.0" encoding="utf-8"?>
 <pc:chgInfo xmlns:a="http://schemas.openxmlformats.org/drawingml/2006/main" xmlns:r="http://schemas.openxmlformats.org/officeDocument/2006/relationships" xmlns:ac="http://schemas.microsoft.com/office/drawing/2013/main/command" xmlns:pc="http://schemas.microsoft.com/office/powerpoint/2013/main/command">
   <pc:docChgLst>
+    <pc:chgData name="Jasmine Louis-Jacques" userId="S::jlouisja@students.kennesaw.edu::2417312d-a9be-495f-a415-67c6d7121bb6" providerId="AD" clId="Web-{7CE4AAA6-816B-4C5C-845F-7C63DE6B8815}"/>
+    <pc:docChg chg="addSld modSld">
+      <pc:chgData name="Jasmine Louis-Jacques" userId="S::jlouisja@students.kennesaw.edu::2417312d-a9be-495f-a415-67c6d7121bb6" providerId="AD" clId="Web-{7CE4AAA6-816B-4C5C-845F-7C63DE6B8815}" dt="2018-12-04T15:59:03.390" v="78" actId="1076"/>
+      <pc:docMkLst>
+        <pc:docMk/>
+      </pc:docMkLst>
+      <pc:sldChg chg="addSp delSp modSp mod setBg">
+        <pc:chgData name="Jasmine Louis-Jacques" userId="S::jlouisja@students.kennesaw.edu::2417312d-a9be-495f-a415-67c6d7121bb6" providerId="AD" clId="Web-{7CE4AAA6-816B-4C5C-845F-7C63DE6B8815}" dt="2018-12-04T15:58:23.952" v="70"/>
+        <pc:sldMkLst>
+          <pc:docMk/>
+          <pc:sldMk cId="109857222" sldId="256"/>
+        </pc:sldMkLst>
+        <pc:spChg chg="mod">
+          <ac:chgData name="Jasmine Louis-Jacques" userId="S::jlouisja@students.kennesaw.edu::2417312d-a9be-495f-a415-67c6d7121bb6" providerId="AD" clId="Web-{7CE4AAA6-816B-4C5C-845F-7C63DE6B8815}" dt="2018-12-04T15:58:23.952" v="70"/>
+          <ac:spMkLst>
+            <pc:docMk/>
+            <pc:sldMk cId="109857222" sldId="256"/>
+            <ac:spMk id="2" creationId="{00000000-0000-0000-0000-000000000000}"/>
+          </ac:spMkLst>
+        </pc:spChg>
+        <pc:spChg chg="mod">
+          <ac:chgData name="Jasmine Louis-Jacques" userId="S::jlouisja@students.kennesaw.edu::2417312d-a9be-495f-a415-67c6d7121bb6" providerId="AD" clId="Web-{7CE4AAA6-816B-4C5C-845F-7C63DE6B8815}" dt="2018-12-04T15:58:23.952" v="70"/>
+          <ac:spMkLst>
+            <pc:docMk/>
+            <pc:sldMk cId="109857222" sldId="256"/>
+            <ac:spMk id="3" creationId="{00000000-0000-0000-0000-000000000000}"/>
+          </ac:spMkLst>
+        </pc:spChg>
+        <pc:spChg chg="add">
+          <ac:chgData name="Jasmine Louis-Jacques" userId="S::jlouisja@students.kennesaw.edu::2417312d-a9be-495f-a415-67c6d7121bb6" providerId="AD" clId="Web-{7CE4AAA6-816B-4C5C-845F-7C63DE6B8815}" dt="2018-12-04T15:58:23.952" v="70"/>
+          <ac:spMkLst>
+            <pc:docMk/>
+            <pc:sldMk cId="109857222" sldId="256"/>
+            <ac:spMk id="5" creationId="{6F9EB9F2-07E2-4D64-BBD8-BB5B217F1218}"/>
+          </ac:spMkLst>
+        </pc:spChg>
+        <pc:spChg chg="add del">
+          <ac:chgData name="Jasmine Louis-Jacques" userId="S::jlouisja@students.kennesaw.edu::2417312d-a9be-495f-a415-67c6d7121bb6" providerId="AD" clId="Web-{7CE4AAA6-816B-4C5C-845F-7C63DE6B8815}" dt="2018-12-04T15:58:23.905" v="69"/>
+          <ac:spMkLst>
+            <pc:docMk/>
+            <pc:sldMk cId="109857222" sldId="256"/>
+            <ac:spMk id="8" creationId="{559AE206-7EBA-4D33-8BC9-9D8158553F0E}"/>
+          </ac:spMkLst>
+        </pc:spChg>
+        <pc:spChg chg="add del">
+          <ac:chgData name="Jasmine Louis-Jacques" userId="S::jlouisja@students.kennesaw.edu::2417312d-a9be-495f-a415-67c6d7121bb6" providerId="AD" clId="Web-{7CE4AAA6-816B-4C5C-845F-7C63DE6B8815}" dt="2018-12-04T15:58:23.905" v="69"/>
+          <ac:spMkLst>
+            <pc:docMk/>
+            <pc:sldMk cId="109857222" sldId="256"/>
+            <ac:spMk id="10" creationId="{6437D937-A7F1-4011-92B4-328E5BE1B166}"/>
+          </ac:spMkLst>
+        </pc:spChg>
+        <pc:spChg chg="add del">
+          <ac:chgData name="Jasmine Louis-Jacques" userId="S::jlouisja@students.kennesaw.edu::2417312d-a9be-495f-a415-67c6d7121bb6" providerId="AD" clId="Web-{7CE4AAA6-816B-4C5C-845F-7C63DE6B8815}" dt="2018-12-04T15:58:23.905" v="69"/>
+          <ac:spMkLst>
+            <pc:docMk/>
+            <pc:sldMk cId="109857222" sldId="256"/>
+            <ac:spMk id="12" creationId="{B672F332-AF08-46C6-94F0-77684310D7B7}"/>
+          </ac:spMkLst>
+        </pc:spChg>
+        <pc:spChg chg="add del">
+          <ac:chgData name="Jasmine Louis-Jacques" userId="S::jlouisja@students.kennesaw.edu::2417312d-a9be-495f-a415-67c6d7121bb6" providerId="AD" clId="Web-{7CE4AAA6-816B-4C5C-845F-7C63DE6B8815}" dt="2018-12-04T15:58:23.905" v="69"/>
+          <ac:spMkLst>
+            <pc:docMk/>
+            <pc:sldMk cId="109857222" sldId="256"/>
+            <ac:spMk id="14" creationId="{34244EF8-D73A-40E1-BE73-D46E6B4B04ED}"/>
+          </ac:spMkLst>
+        </pc:spChg>
+        <pc:spChg chg="add del">
+          <ac:chgData name="Jasmine Louis-Jacques" userId="S::jlouisja@students.kennesaw.edu::2417312d-a9be-495f-a415-67c6d7121bb6" providerId="AD" clId="Web-{7CE4AAA6-816B-4C5C-845F-7C63DE6B8815}" dt="2018-12-04T15:58:23.905" v="69"/>
+          <ac:spMkLst>
+            <pc:docMk/>
+            <pc:sldMk cId="109857222" sldId="256"/>
+            <ac:spMk id="16" creationId="{AB84D7E8-4ECB-42D7-ADBF-01689B0F24AE}"/>
+          </ac:spMkLst>
+        </pc:spChg>
+        <pc:cxnChg chg="add">
+          <ac:chgData name="Jasmine Louis-Jacques" userId="S::jlouisja@students.kennesaw.edu::2417312d-a9be-495f-a415-67c6d7121bb6" providerId="AD" clId="Web-{7CE4AAA6-816B-4C5C-845F-7C63DE6B8815}" dt="2018-12-04T15:58:23.952" v="70"/>
+          <ac:cxnSpMkLst>
+            <pc:docMk/>
+            <pc:sldMk cId="109857222" sldId="256"/>
+            <ac:cxnSpMk id="6" creationId="{F0C57C7C-DFE9-4A1E-B7A9-DF40E63366BB}"/>
+          </ac:cxnSpMkLst>
+        </pc:cxnChg>
+        <pc:cxnChg chg="add del">
+          <ac:chgData name="Jasmine Louis-Jacques" userId="S::jlouisja@students.kennesaw.edu::2417312d-a9be-495f-a415-67c6d7121bb6" providerId="AD" clId="Web-{7CE4AAA6-816B-4C5C-845F-7C63DE6B8815}" dt="2018-12-04T15:58:23.905" v="69"/>
+          <ac:cxnSpMkLst>
+            <pc:docMk/>
+            <pc:sldMk cId="109857222" sldId="256"/>
+            <ac:cxnSpMk id="18" creationId="{9E8E38ED-369A-44C2-B635-0BED0E48A6E8}"/>
+          </ac:cxnSpMkLst>
+        </pc:cxnChg>
+      </pc:sldChg>
+      <pc:sldChg chg="addSp delSp modSp new">
+        <pc:chgData name="Jasmine Louis-Jacques" userId="S::jlouisja@students.kennesaw.edu::2417312d-a9be-495f-a415-67c6d7121bb6" providerId="AD" clId="Web-{7CE4AAA6-816B-4C5C-845F-7C63DE6B8815}" dt="2018-12-04T15:59:03.390" v="78" actId="1076"/>
+        <pc:sldMkLst>
+          <pc:docMk/>
+          <pc:sldMk cId="727133730" sldId="257"/>
+        </pc:sldMkLst>
+        <pc:picChg chg="add del mod">
+          <ac:chgData name="Jasmine Louis-Jacques" userId="S::jlouisja@students.kennesaw.edu::2417312d-a9be-495f-a415-67c6d7121bb6" providerId="AD" clId="Web-{7CE4AAA6-816B-4C5C-845F-7C63DE6B8815}" dt="2018-12-04T15:55:34.806" v="31"/>
+          <ac:picMkLst>
+            <pc:docMk/>
+            <pc:sldMk cId="727133730" sldId="257"/>
+            <ac:picMk id="2" creationId="{6703A71E-655F-4684-8A8B-7F3329E38F8C}"/>
+          </ac:picMkLst>
+        </pc:picChg>
+        <pc:picChg chg="add mod ord">
+          <ac:chgData name="Jasmine Louis-Jacques" userId="S::jlouisja@students.kennesaw.edu::2417312d-a9be-495f-a415-67c6d7121bb6" providerId="AD" clId="Web-{7CE4AAA6-816B-4C5C-845F-7C63DE6B8815}" dt="2018-12-04T15:58:34.452" v="71" actId="1076"/>
+          <ac:picMkLst>
+            <pc:docMk/>
+            <pc:sldMk cId="727133730" sldId="257"/>
+            <ac:picMk id="4" creationId="{EBA08DBE-B8CB-47E8-B503-59F658212C5A}"/>
+          </ac:picMkLst>
+        </pc:picChg>
+        <pc:picChg chg="add mod">
+          <ac:chgData name="Jasmine Louis-Jacques" userId="S::jlouisja@students.kennesaw.edu::2417312d-a9be-495f-a415-67c6d7121bb6" providerId="AD" clId="Web-{7CE4AAA6-816B-4C5C-845F-7C63DE6B8815}" dt="2018-12-04T15:56:40.683" v="46" actId="14100"/>
+          <ac:picMkLst>
+            <pc:docMk/>
+            <pc:sldMk cId="727133730" sldId="257"/>
+            <ac:picMk id="6" creationId="{4E96DC5F-4B3E-4A7D-AFBA-18C812FD5B58}"/>
+          </ac:picMkLst>
+        </pc:picChg>
+        <pc:picChg chg="add mod">
+          <ac:chgData name="Jasmine Louis-Jacques" userId="S::jlouisja@students.kennesaw.edu::2417312d-a9be-495f-a415-67c6d7121bb6" providerId="AD" clId="Web-{7CE4AAA6-816B-4C5C-845F-7C63DE6B8815}" dt="2018-12-04T15:59:00.593" v="77" actId="1076"/>
+          <ac:picMkLst>
+            <pc:docMk/>
+            <pc:sldMk cId="727133730" sldId="257"/>
+            <ac:picMk id="8" creationId="{59A71A49-DCE2-4870-8A1E-6AE4E33AD549}"/>
+          </ac:picMkLst>
+        </pc:picChg>
+        <pc:picChg chg="add mod">
+          <ac:chgData name="Jasmine Louis-Jacques" userId="S::jlouisja@students.kennesaw.edu::2417312d-a9be-495f-a415-67c6d7121bb6" providerId="AD" clId="Web-{7CE4AAA6-816B-4C5C-845F-7C63DE6B8815}" dt="2018-12-04T15:59:03.390" v="78" actId="1076"/>
+          <ac:picMkLst>
+            <pc:docMk/>
+            <pc:sldMk cId="727133730" sldId="257"/>
+            <ac:picMk id="10" creationId="{4AF8DAAE-0B36-4B17-8CBC-5927BA33527B}"/>
+          </ac:picMkLst>
+        </pc:picChg>
+        <pc:picChg chg="add mod ord">
+          <ac:chgData name="Jasmine Louis-Jacques" userId="S::jlouisja@students.kennesaw.edu::2417312d-a9be-495f-a415-67c6d7121bb6" providerId="AD" clId="Web-{7CE4AAA6-816B-4C5C-845F-7C63DE6B8815}" dt="2018-12-04T15:58:43.280" v="73"/>
+          <ac:picMkLst>
+            <pc:docMk/>
+            <pc:sldMk cId="727133730" sldId="257"/>
+            <ac:picMk id="12" creationId="{04B6D065-943D-4124-B32A-06768F903697}"/>
+          </ac:picMkLst>
+        </pc:picChg>
+        <pc:picChg chg="add mod">
+          <ac:chgData name="Jasmine Louis-Jacques" userId="S::jlouisja@students.kennesaw.edu::2417312d-a9be-495f-a415-67c6d7121bb6" providerId="AD" clId="Web-{7CE4AAA6-816B-4C5C-845F-7C63DE6B8815}" dt="2018-12-04T15:58:57.327" v="76" actId="1076"/>
+          <ac:picMkLst>
+            <pc:docMk/>
+            <pc:sldMk cId="727133730" sldId="257"/>
+            <ac:picMk id="14" creationId="{C368459C-AEC6-48E5-A412-C94DBAD1C7FA}"/>
+          </ac:picMkLst>
+        </pc:picChg>
+      </pc:sldChg>
+    </pc:docChg>
+  </pc:docChgLst>
+  <pc:docChgLst>
     <pc:chgData name="Jasmine Louis-Jacques" userId="S::jlouisja@students.kennesaw.edu::2417312d-a9be-495f-a415-67c6d7121bb6" providerId="AD" clId="Web-{19DC989E-B2A7-4012-998E-A6E49197EE93}"/>
     <pc:docChg chg="modSld">
       <pc:chgData name="Jasmine Louis-Jacques" userId="S::jlouisja@students.kennesaw.edu::2417312d-a9be-495f-a415-67c6d7121bb6" providerId="AD" clId="Web-{19DC989E-B2A7-4012-998E-A6E49197EE93}" dt="2018-11-29T20:41:07.645" v="29" actId="20577"/>
@@ -191,10 +351,9 @@
           </a:lstStyle>
           <a:p>
             <a:r>
-              <a:rPr lang="en-US"/>
+              <a:rPr lang="en-US" dirty="0"/>
               <a:t>Click to edit Master title style</a:t>
             </a:r>
-            <a:endParaRPr lang="en-US" dirty="0"/>
           </a:p>
         </p:txBody>
       </p:sp>
@@ -256,10 +415,9 @@
           </a:lstStyle>
           <a:p>
             <a:r>
-              <a:rPr lang="en-US"/>
+              <a:rPr lang="en-US" dirty="0"/>
               <a:t>Click to edit Master subtitle style</a:t>
             </a:r>
-            <a:endParaRPr lang="en-US" dirty="0"/>
           </a:p>
         </p:txBody>
       </p:sp>
@@ -280,7 +438,7 @@
           <a:p>
             <a:fld id="{846CE7D5-CF57-46EF-B807-FDD0502418D4}" type="datetimeFigureOut">
               <a:rPr lang="en-US" smtClean="0"/>
-              <a:t>11/29/2018</a:t>
+              <a:t>12/4/2018</a:t>
             </a:fld>
             <a:endParaRPr lang="en-US"/>
           </a:p>
@@ -331,7 +489,7 @@
     </p:spTree>
     <p:extLst>
       <p:ext uri="{BB962C8B-B14F-4D97-AF65-F5344CB8AC3E}">
-        <p14:creationId xmlns:p14="http://schemas.microsoft.com/office/powerpoint/2010/main" val="2385387890"/>
+        <p14:creationId xmlns:p14="http://schemas.microsoft.com/office/powerpoint/2010/main" val="2906651316"/>
       </p:ext>
     </p:extLst>
   </p:cSld>
@@ -374,10 +532,9 @@
           <a:lstStyle/>
           <a:p>
             <a:r>
-              <a:rPr lang="en-US"/>
+              <a:rPr lang="en-US" dirty="0"/>
               <a:t>Click to edit Master title style</a:t>
             </a:r>
-            <a:endParaRPr lang="en-US" dirty="0"/>
           </a:p>
         </p:txBody>
       </p:sp>
@@ -398,38 +555,37 @@
           <a:p>
             <a:pPr lvl="0"/>
             <a:r>
-              <a:rPr lang="en-US"/>
-              <a:t>Click to edit Master text styles</a:t>
+              <a:rPr lang="en-US" dirty="0"/>
+              <a:t>Edit Master text styles</a:t>
             </a:r>
           </a:p>
           <a:p>
             <a:pPr lvl="1"/>
             <a:r>
-              <a:rPr lang="en-US"/>
+              <a:rPr lang="en-US" dirty="0"/>
               <a:t>Second level</a:t>
             </a:r>
           </a:p>
           <a:p>
             <a:pPr lvl="2"/>
             <a:r>
-              <a:rPr lang="en-US"/>
+              <a:rPr lang="en-US" dirty="0"/>
               <a:t>Third level</a:t>
             </a:r>
           </a:p>
           <a:p>
             <a:pPr lvl="3"/>
             <a:r>
-              <a:rPr lang="en-US"/>
+              <a:rPr lang="en-US" dirty="0"/>
               <a:t>Fourth level</a:t>
             </a:r>
           </a:p>
           <a:p>
             <a:pPr lvl="4"/>
             <a:r>
-              <a:rPr lang="en-US"/>
+              <a:rPr lang="en-US" dirty="0"/>
               <a:t>Fifth level</a:t>
             </a:r>
-            <a:endParaRPr lang="en-US" dirty="0"/>
           </a:p>
         </p:txBody>
       </p:sp>
@@ -450,7 +606,7 @@
           <a:p>
             <a:fld id="{846CE7D5-CF57-46EF-B807-FDD0502418D4}" type="datetimeFigureOut">
               <a:rPr lang="en-US" smtClean="0"/>
-              <a:t>11/29/2018</a:t>
+              <a:t>12/4/2018</a:t>
             </a:fld>
             <a:endParaRPr lang="en-US"/>
           </a:p>
@@ -501,7 +657,7 @@
     </p:spTree>
     <p:extLst>
       <p:ext uri="{BB962C8B-B14F-4D97-AF65-F5344CB8AC3E}">
-        <p14:creationId xmlns:p14="http://schemas.microsoft.com/office/powerpoint/2010/main" val="2202905451"/>
+        <p14:creationId xmlns:p14="http://schemas.microsoft.com/office/powerpoint/2010/main" val="2769445170"/>
       </p:ext>
     </p:extLst>
   </p:cSld>
@@ -549,10 +705,9 @@
           <a:lstStyle/>
           <a:p>
             <a:r>
-              <a:rPr lang="en-US"/>
+              <a:rPr lang="en-US" dirty="0"/>
               <a:t>Click to edit Master title style</a:t>
             </a:r>
-            <a:endParaRPr lang="en-US" dirty="0"/>
           </a:p>
         </p:txBody>
       </p:sp>
@@ -578,38 +733,37 @@
           <a:p>
             <a:pPr lvl="0"/>
             <a:r>
-              <a:rPr lang="en-US"/>
-              <a:t>Click to edit Master text styles</a:t>
+              <a:rPr lang="en-US" dirty="0"/>
+              <a:t>Edit Master text styles</a:t>
             </a:r>
           </a:p>
           <a:p>
             <a:pPr lvl="1"/>
             <a:r>
-              <a:rPr lang="en-US"/>
+              <a:rPr lang="en-US" dirty="0"/>
               <a:t>Second level</a:t>
             </a:r>
           </a:p>
           <a:p>
             <a:pPr lvl="2"/>
             <a:r>
-              <a:rPr lang="en-US"/>
+              <a:rPr lang="en-US" dirty="0"/>
               <a:t>Third level</a:t>
             </a:r>
           </a:p>
           <a:p>
             <a:pPr lvl="3"/>
             <a:r>
-              <a:rPr lang="en-US"/>
+              <a:rPr lang="en-US" dirty="0"/>
               <a:t>Fourth level</a:t>
             </a:r>
           </a:p>
           <a:p>
             <a:pPr lvl="4"/>
             <a:r>
-              <a:rPr lang="en-US"/>
+              <a:rPr lang="en-US" dirty="0"/>
               <a:t>Fifth level</a:t>
             </a:r>
-            <a:endParaRPr lang="en-US" dirty="0"/>
           </a:p>
         </p:txBody>
       </p:sp>
@@ -630,7 +784,7 @@
           <a:p>
             <a:fld id="{846CE7D5-CF57-46EF-B807-FDD0502418D4}" type="datetimeFigureOut">
               <a:rPr lang="en-US" smtClean="0"/>
-              <a:t>11/29/2018</a:t>
+              <a:t>12/4/2018</a:t>
             </a:fld>
             <a:endParaRPr lang="en-US"/>
           </a:p>
@@ -681,7 +835,7 @@
     </p:spTree>
     <p:extLst>
       <p:ext uri="{BB962C8B-B14F-4D97-AF65-F5344CB8AC3E}">
-        <p14:creationId xmlns:p14="http://schemas.microsoft.com/office/powerpoint/2010/main" val="3479445657"/>
+        <p14:creationId xmlns:p14="http://schemas.microsoft.com/office/powerpoint/2010/main" val="1776343517"/>
       </p:ext>
     </p:extLst>
   </p:cSld>
@@ -724,10 +878,9 @@
           <a:lstStyle/>
           <a:p>
             <a:r>
-              <a:rPr lang="en-US"/>
+              <a:rPr lang="en-US" dirty="0"/>
               <a:t>Click to edit Master title style</a:t>
             </a:r>
-            <a:endParaRPr lang="en-US" dirty="0"/>
           </a:p>
         </p:txBody>
       </p:sp>
@@ -748,38 +901,37 @@
           <a:p>
             <a:pPr lvl="0"/>
             <a:r>
-              <a:rPr lang="en-US"/>
-              <a:t>Click to edit Master text styles</a:t>
+              <a:rPr lang="en-US" dirty="0"/>
+              <a:t>Edit Master text styles</a:t>
             </a:r>
           </a:p>
           <a:p>
             <a:pPr lvl="1"/>
             <a:r>
-              <a:rPr lang="en-US"/>
+              <a:rPr lang="en-US" dirty="0"/>
               <a:t>Second level</a:t>
             </a:r>
           </a:p>
           <a:p>
             <a:pPr lvl="2"/>
             <a:r>
-              <a:rPr lang="en-US"/>
+              <a:rPr lang="en-US" dirty="0"/>
               <a:t>Third level</a:t>
             </a:r>
           </a:p>
           <a:p>
             <a:pPr lvl="3"/>
             <a:r>
-              <a:rPr lang="en-US"/>
+              <a:rPr lang="en-US" dirty="0"/>
               <a:t>Fourth level</a:t>
             </a:r>
           </a:p>
           <a:p>
             <a:pPr lvl="4"/>
             <a:r>
-              <a:rPr lang="en-US"/>
+              <a:rPr lang="en-US" dirty="0"/>
               <a:t>Fifth level</a:t>
             </a:r>
-            <a:endParaRPr lang="en-US" dirty="0"/>
           </a:p>
         </p:txBody>
       </p:sp>
@@ -800,7 +952,7 @@
           <a:p>
             <a:fld id="{846CE7D5-CF57-46EF-B807-FDD0502418D4}" type="datetimeFigureOut">
               <a:rPr lang="en-US" smtClean="0"/>
-              <a:t>11/29/2018</a:t>
+              <a:t>12/4/2018</a:t>
             </a:fld>
             <a:endParaRPr lang="en-US"/>
           </a:p>
@@ -851,7 +1003,7 @@
     </p:spTree>
     <p:extLst>
       <p:ext uri="{BB962C8B-B14F-4D97-AF65-F5344CB8AC3E}">
-        <p14:creationId xmlns:p14="http://schemas.microsoft.com/office/powerpoint/2010/main" val="949138452"/>
+        <p14:creationId xmlns:p14="http://schemas.microsoft.com/office/powerpoint/2010/main" val="1980343986"/>
       </p:ext>
     </p:extLst>
   </p:cSld>
@@ -903,10 +1055,9 @@
           </a:lstStyle>
           <a:p>
             <a:r>
-              <a:rPr lang="en-US"/>
+              <a:rPr lang="en-US" dirty="0"/>
               <a:t>Click to edit Master title style</a:t>
             </a:r>
-            <a:endParaRPr lang="en-US" dirty="0"/>
           </a:p>
         </p:txBody>
       </p:sp>
@@ -1023,8 +1174,8 @@
           <a:p>
             <a:pPr lvl="0"/>
             <a:r>
-              <a:rPr lang="en-US"/>
-              <a:t>Click to edit Master text styles</a:t>
+              <a:rPr lang="en-US" dirty="0"/>
+              <a:t>Edit Master text styles</a:t>
             </a:r>
           </a:p>
         </p:txBody>
@@ -1046,7 +1197,7 @@
           <a:p>
             <a:fld id="{846CE7D5-CF57-46EF-B807-FDD0502418D4}" type="datetimeFigureOut">
               <a:rPr lang="en-US" smtClean="0"/>
-              <a:t>11/29/2018</a:t>
+              <a:t>12/4/2018</a:t>
             </a:fld>
             <a:endParaRPr lang="en-US"/>
           </a:p>
@@ -1097,7 +1248,7 @@
     </p:spTree>
     <p:extLst>
       <p:ext uri="{BB962C8B-B14F-4D97-AF65-F5344CB8AC3E}">
-        <p14:creationId xmlns:p14="http://schemas.microsoft.com/office/powerpoint/2010/main" val="2591524520"/>
+        <p14:creationId xmlns:p14="http://schemas.microsoft.com/office/powerpoint/2010/main" val="3376970512"/>
       </p:ext>
     </p:extLst>
   </p:cSld>
@@ -1140,10 +1291,9 @@
           <a:lstStyle/>
           <a:p>
             <a:r>
-              <a:rPr lang="en-US"/>
+              <a:rPr lang="en-US" dirty="0"/>
               <a:t>Click to edit Master title style</a:t>
             </a:r>
-            <a:endParaRPr lang="en-US" dirty="0"/>
           </a:p>
         </p:txBody>
       </p:sp>
@@ -1169,38 +1319,37 @@
           <a:p>
             <a:pPr lvl="0"/>
             <a:r>
-              <a:rPr lang="en-US"/>
-              <a:t>Click to edit Master text styles</a:t>
+              <a:rPr lang="en-US" dirty="0"/>
+              <a:t>Edit Master text styles</a:t>
             </a:r>
           </a:p>
           <a:p>
             <a:pPr lvl="1"/>
             <a:r>
-              <a:rPr lang="en-US"/>
+              <a:rPr lang="en-US" dirty="0"/>
               <a:t>Second level</a:t>
             </a:r>
           </a:p>
           <a:p>
             <a:pPr lvl="2"/>
             <a:r>
-              <a:rPr lang="en-US"/>
+              <a:rPr lang="en-US" dirty="0"/>
               <a:t>Third level</a:t>
             </a:r>
           </a:p>
           <a:p>
             <a:pPr lvl="3"/>
             <a:r>
-              <a:rPr lang="en-US"/>
+              <a:rPr lang="en-US" dirty="0"/>
               <a:t>Fourth level</a:t>
             </a:r>
           </a:p>
           <a:p>
             <a:pPr lvl="4"/>
             <a:r>
-              <a:rPr lang="en-US"/>
+              <a:rPr lang="en-US" dirty="0"/>
               <a:t>Fifth level</a:t>
             </a:r>
-            <a:endParaRPr lang="en-US" dirty="0"/>
           </a:p>
         </p:txBody>
       </p:sp>
@@ -1226,38 +1375,37 @@
           <a:p>
             <a:pPr lvl="0"/>
             <a:r>
-              <a:rPr lang="en-US"/>
-              <a:t>Click to edit Master text styles</a:t>
+              <a:rPr lang="en-US" dirty="0"/>
+              <a:t>Edit Master text styles</a:t>
             </a:r>
           </a:p>
           <a:p>
             <a:pPr lvl="1"/>
             <a:r>
-              <a:rPr lang="en-US"/>
+              <a:rPr lang="en-US" dirty="0"/>
               <a:t>Second level</a:t>
             </a:r>
           </a:p>
           <a:p>
             <a:pPr lvl="2"/>
             <a:r>
-              <a:rPr lang="en-US"/>
+              <a:rPr lang="en-US" dirty="0"/>
               <a:t>Third level</a:t>
             </a:r>
           </a:p>
           <a:p>
             <a:pPr lvl="3"/>
             <a:r>
-              <a:rPr lang="en-US"/>
+              <a:rPr lang="en-US" dirty="0"/>
               <a:t>Fourth level</a:t>
             </a:r>
           </a:p>
           <a:p>
             <a:pPr lvl="4"/>
             <a:r>
-              <a:rPr lang="en-US"/>
+              <a:rPr lang="en-US" dirty="0"/>
               <a:t>Fifth level</a:t>
             </a:r>
-            <a:endParaRPr lang="en-US" dirty="0"/>
           </a:p>
         </p:txBody>
       </p:sp>
@@ -1278,7 +1426,7 @@
           <a:p>
             <a:fld id="{846CE7D5-CF57-46EF-B807-FDD0502418D4}" type="datetimeFigureOut">
               <a:rPr lang="en-US" smtClean="0"/>
-              <a:t>11/29/2018</a:t>
+              <a:t>12/4/2018</a:t>
             </a:fld>
             <a:endParaRPr lang="en-US"/>
           </a:p>
@@ -1329,7 +1477,7 @@
     </p:spTree>
     <p:extLst>
       <p:ext uri="{BB962C8B-B14F-4D97-AF65-F5344CB8AC3E}">
-        <p14:creationId xmlns:p14="http://schemas.microsoft.com/office/powerpoint/2010/main" val="1203092039"/>
+        <p14:creationId xmlns:p14="http://schemas.microsoft.com/office/powerpoint/2010/main" val="2759260814"/>
       </p:ext>
     </p:extLst>
   </p:cSld>
@@ -1377,10 +1525,9 @@
           <a:lstStyle/>
           <a:p>
             <a:r>
-              <a:rPr lang="en-US"/>
+              <a:rPr lang="en-US" dirty="0"/>
               <a:t>Click to edit Master title style</a:t>
             </a:r>
-            <a:endParaRPr lang="en-US" dirty="0"/>
           </a:p>
         </p:txBody>
       </p:sp>
@@ -1443,8 +1590,8 @@
           <a:p>
             <a:pPr lvl="0"/>
             <a:r>
-              <a:rPr lang="en-US"/>
-              <a:t>Click to edit Master text styles</a:t>
+              <a:rPr lang="en-US" dirty="0"/>
+              <a:t>Edit Master text styles</a:t>
             </a:r>
           </a:p>
         </p:txBody>
@@ -1471,38 +1618,37 @@
           <a:p>
             <a:pPr lvl="0"/>
             <a:r>
-              <a:rPr lang="en-US"/>
-              <a:t>Click to edit Master text styles</a:t>
+              <a:rPr lang="en-US" dirty="0"/>
+              <a:t>Edit Master text styles</a:t>
             </a:r>
           </a:p>
           <a:p>
             <a:pPr lvl="1"/>
             <a:r>
-              <a:rPr lang="en-US"/>
+              <a:rPr lang="en-US" dirty="0"/>
               <a:t>Second level</a:t>
             </a:r>
           </a:p>
           <a:p>
             <a:pPr lvl="2"/>
             <a:r>
-              <a:rPr lang="en-US"/>
+              <a:rPr lang="en-US" dirty="0"/>
               <a:t>Third level</a:t>
             </a:r>
           </a:p>
           <a:p>
             <a:pPr lvl="3"/>
             <a:r>
-              <a:rPr lang="en-US"/>
+              <a:rPr lang="en-US" dirty="0"/>
               <a:t>Fourth level</a:t>
             </a:r>
           </a:p>
           <a:p>
             <a:pPr lvl="4"/>
             <a:r>
-              <a:rPr lang="en-US"/>
+              <a:rPr lang="en-US" dirty="0"/>
               <a:t>Fifth level</a:t>
             </a:r>
-            <a:endParaRPr lang="en-US" dirty="0"/>
           </a:p>
         </p:txBody>
       </p:sp>
@@ -1565,8 +1711,8 @@
           <a:p>
             <a:pPr lvl="0"/>
             <a:r>
-              <a:rPr lang="en-US"/>
-              <a:t>Click to edit Master text styles</a:t>
+              <a:rPr lang="en-US" dirty="0"/>
+              <a:t>Edit Master text styles</a:t>
             </a:r>
           </a:p>
         </p:txBody>
@@ -1593,38 +1739,37 @@
           <a:p>
             <a:pPr lvl="0"/>
             <a:r>
-              <a:rPr lang="en-US"/>
-              <a:t>Click to edit Master text styles</a:t>
+              <a:rPr lang="en-US" dirty="0"/>
+              <a:t>Edit Master text styles</a:t>
             </a:r>
           </a:p>
           <a:p>
             <a:pPr lvl="1"/>
             <a:r>
-              <a:rPr lang="en-US"/>
+              <a:rPr lang="en-US" dirty="0"/>
               <a:t>Second level</a:t>
             </a:r>
           </a:p>
           <a:p>
             <a:pPr lvl="2"/>
             <a:r>
-              <a:rPr lang="en-US"/>
+              <a:rPr lang="en-US" dirty="0"/>
               <a:t>Third level</a:t>
             </a:r>
           </a:p>
           <a:p>
             <a:pPr lvl="3"/>
             <a:r>
-              <a:rPr lang="en-US"/>
+              <a:rPr lang="en-US" dirty="0"/>
               <a:t>Fourth level</a:t>
             </a:r>
           </a:p>
           <a:p>
             <a:pPr lvl="4"/>
             <a:r>
-              <a:rPr lang="en-US"/>
+              <a:rPr lang="en-US" dirty="0"/>
               <a:t>Fifth level</a:t>
             </a:r>
-            <a:endParaRPr lang="en-US" dirty="0"/>
           </a:p>
         </p:txBody>
       </p:sp>
@@ -1645,7 +1790,7 @@
           <a:p>
             <a:fld id="{846CE7D5-CF57-46EF-B807-FDD0502418D4}" type="datetimeFigureOut">
               <a:rPr lang="en-US" smtClean="0"/>
-              <a:t>11/29/2018</a:t>
+              <a:t>12/4/2018</a:t>
             </a:fld>
             <a:endParaRPr lang="en-US"/>
           </a:p>
@@ -1696,7 +1841,7 @@
     </p:spTree>
     <p:extLst>
       <p:ext uri="{BB962C8B-B14F-4D97-AF65-F5344CB8AC3E}">
-        <p14:creationId xmlns:p14="http://schemas.microsoft.com/office/powerpoint/2010/main" val="3733172339"/>
+        <p14:creationId xmlns:p14="http://schemas.microsoft.com/office/powerpoint/2010/main" val="2068089049"/>
       </p:ext>
     </p:extLst>
   </p:cSld>
@@ -1739,10 +1884,9 @@
           <a:lstStyle/>
           <a:p>
             <a:r>
-              <a:rPr lang="en-US"/>
+              <a:rPr lang="en-US" dirty="0"/>
               <a:t>Click to edit Master title style</a:t>
             </a:r>
-            <a:endParaRPr lang="en-US" dirty="0"/>
           </a:p>
         </p:txBody>
       </p:sp>
@@ -1763,7 +1907,7 @@
           <a:p>
             <a:fld id="{846CE7D5-CF57-46EF-B807-FDD0502418D4}" type="datetimeFigureOut">
               <a:rPr lang="en-US" smtClean="0"/>
-              <a:t>11/29/2018</a:t>
+              <a:t>12/4/2018</a:t>
             </a:fld>
             <a:endParaRPr lang="en-US"/>
           </a:p>
@@ -1814,7 +1958,7 @@
     </p:spTree>
     <p:extLst>
       <p:ext uri="{BB962C8B-B14F-4D97-AF65-F5344CB8AC3E}">
-        <p14:creationId xmlns:p14="http://schemas.microsoft.com/office/powerpoint/2010/main" val="3210312558"/>
+        <p14:creationId xmlns:p14="http://schemas.microsoft.com/office/powerpoint/2010/main" val="1654632021"/>
       </p:ext>
     </p:extLst>
   </p:cSld>
@@ -1858,7 +2002,7 @@
           <a:p>
             <a:fld id="{846CE7D5-CF57-46EF-B807-FDD0502418D4}" type="datetimeFigureOut">
               <a:rPr lang="en-US" smtClean="0"/>
-              <a:t>11/29/2018</a:t>
+              <a:t>12/4/2018</a:t>
             </a:fld>
             <a:endParaRPr lang="en-US"/>
           </a:p>
@@ -1909,7 +2053,7 @@
     </p:spTree>
     <p:extLst>
       <p:ext uri="{BB962C8B-B14F-4D97-AF65-F5344CB8AC3E}">
-        <p14:creationId xmlns:p14="http://schemas.microsoft.com/office/powerpoint/2010/main" val="3146388984"/>
+        <p14:creationId xmlns:p14="http://schemas.microsoft.com/office/powerpoint/2010/main" val="1901356081"/>
       </p:ext>
     </p:extLst>
   </p:cSld>
@@ -1961,10 +2105,9 @@
           </a:lstStyle>
           <a:p>
             <a:r>
-              <a:rPr lang="en-US"/>
+              <a:rPr lang="en-US" dirty="0"/>
               <a:t>Click to edit Master title style</a:t>
             </a:r>
-            <a:endParaRPr lang="en-US" dirty="0"/>
           </a:p>
         </p:txBody>
       </p:sp>
@@ -2018,38 +2161,37 @@
           <a:p>
             <a:pPr lvl="0"/>
             <a:r>
-              <a:rPr lang="en-US"/>
-              <a:t>Click to edit Master text styles</a:t>
+              <a:rPr lang="en-US" dirty="0"/>
+              <a:t>Edit Master text styles</a:t>
             </a:r>
           </a:p>
           <a:p>
             <a:pPr lvl="1"/>
             <a:r>
-              <a:rPr lang="en-US"/>
+              <a:rPr lang="en-US" dirty="0"/>
               <a:t>Second level</a:t>
             </a:r>
           </a:p>
           <a:p>
             <a:pPr lvl="2"/>
             <a:r>
-              <a:rPr lang="en-US"/>
+              <a:rPr lang="en-US" dirty="0"/>
               <a:t>Third level</a:t>
             </a:r>
           </a:p>
           <a:p>
             <a:pPr lvl="3"/>
             <a:r>
-              <a:rPr lang="en-US"/>
+              <a:rPr lang="en-US" dirty="0"/>
               <a:t>Fourth level</a:t>
             </a:r>
           </a:p>
           <a:p>
             <a:pPr lvl="4"/>
             <a:r>
-              <a:rPr lang="en-US"/>
+              <a:rPr lang="en-US" dirty="0"/>
               <a:t>Fifth level</a:t>
             </a:r>
-            <a:endParaRPr lang="en-US" dirty="0"/>
           </a:p>
         </p:txBody>
       </p:sp>
@@ -2112,8 +2254,8 @@
           <a:p>
             <a:pPr lvl="0"/>
             <a:r>
-              <a:rPr lang="en-US"/>
-              <a:t>Click to edit Master text styles</a:t>
+              <a:rPr lang="en-US" dirty="0"/>
+              <a:t>Edit Master text styles</a:t>
             </a:r>
           </a:p>
         </p:txBody>
@@ -2135,7 +2277,7 @@
           <a:p>
             <a:fld id="{846CE7D5-CF57-46EF-B807-FDD0502418D4}" type="datetimeFigureOut">
               <a:rPr lang="en-US" smtClean="0"/>
-              <a:t>11/29/2018</a:t>
+              <a:t>12/4/2018</a:t>
             </a:fld>
             <a:endParaRPr lang="en-US"/>
           </a:p>
@@ -2186,7 +2328,7 @@
     </p:spTree>
     <p:extLst>
       <p:ext uri="{BB962C8B-B14F-4D97-AF65-F5344CB8AC3E}">
-        <p14:creationId xmlns:p14="http://schemas.microsoft.com/office/powerpoint/2010/main" val="3171841454"/>
+        <p14:creationId xmlns:p14="http://schemas.microsoft.com/office/powerpoint/2010/main" val="3775809724"/>
       </p:ext>
     </p:extLst>
   </p:cSld>
@@ -2238,10 +2380,9 @@
           </a:lstStyle>
           <a:p>
             <a:r>
-              <a:rPr lang="en-US"/>
+              <a:rPr lang="en-US" dirty="0"/>
               <a:t>Click to edit Master title style</a:t>
             </a:r>
-            <a:endParaRPr lang="en-US" dirty="0"/>
           </a:p>
         </p:txBody>
       </p:sp>
@@ -2303,10 +2444,9 @@
           </a:lstStyle>
           <a:p>
             <a:r>
-              <a:rPr lang="en-US"/>
+              <a:rPr lang="en-US" dirty="0"/>
               <a:t>Click icon to add picture</a:t>
             </a:r>
-            <a:endParaRPr lang="en-US" dirty="0"/>
           </a:p>
         </p:txBody>
       </p:sp>
@@ -2369,8 +2509,8 @@
           <a:p>
             <a:pPr lvl="0"/>
             <a:r>
-              <a:rPr lang="en-US"/>
-              <a:t>Click to edit Master text styles</a:t>
+              <a:rPr lang="en-US" dirty="0"/>
+              <a:t>Edit Master text styles</a:t>
             </a:r>
           </a:p>
         </p:txBody>
@@ -2392,7 +2532,7 @@
           <a:p>
             <a:fld id="{846CE7D5-CF57-46EF-B807-FDD0502418D4}" type="datetimeFigureOut">
               <a:rPr lang="en-US" smtClean="0"/>
-              <a:t>11/29/2018</a:t>
+              <a:t>12/4/2018</a:t>
             </a:fld>
             <a:endParaRPr lang="en-US"/>
           </a:p>
@@ -2443,7 +2583,7 @@
     </p:spTree>
     <p:extLst>
       <p:ext uri="{BB962C8B-B14F-4D97-AF65-F5344CB8AC3E}">
-        <p14:creationId xmlns:p14="http://schemas.microsoft.com/office/powerpoint/2010/main" val="1718958274"/>
+        <p14:creationId xmlns:p14="http://schemas.microsoft.com/office/powerpoint/2010/main" val="2033727531"/>
       </p:ext>
     </p:extLst>
   </p:cSld>
@@ -2501,10 +2641,9 @@
           <a:lstStyle/>
           <a:p>
             <a:r>
-              <a:rPr lang="en-US"/>
+              <a:rPr lang="en-US" dirty="0"/>
               <a:t>Click to edit Master title style</a:t>
             </a:r>
-            <a:endParaRPr lang="en-US" dirty="0"/>
           </a:p>
         </p:txBody>
       </p:sp>
@@ -2535,38 +2674,37 @@
           <a:p>
             <a:pPr lvl="0"/>
             <a:r>
-              <a:rPr lang="en-US"/>
-              <a:t>Click to edit Master text styles</a:t>
+              <a:rPr lang="en-US" dirty="0"/>
+              <a:t>Edit Master text styles</a:t>
             </a:r>
           </a:p>
           <a:p>
             <a:pPr lvl="1"/>
             <a:r>
-              <a:rPr lang="en-US"/>
+              <a:rPr lang="en-US" dirty="0"/>
               <a:t>Second level</a:t>
             </a:r>
           </a:p>
           <a:p>
             <a:pPr lvl="2"/>
             <a:r>
-              <a:rPr lang="en-US"/>
+              <a:rPr lang="en-US" dirty="0"/>
               <a:t>Third level</a:t>
             </a:r>
           </a:p>
           <a:p>
             <a:pPr lvl="3"/>
             <a:r>
-              <a:rPr lang="en-US"/>
+              <a:rPr lang="en-US" dirty="0"/>
               <a:t>Fourth level</a:t>
             </a:r>
           </a:p>
           <a:p>
             <a:pPr lvl="4"/>
             <a:r>
-              <a:rPr lang="en-US"/>
+              <a:rPr lang="en-US" dirty="0"/>
               <a:t>Fifth level</a:t>
             </a:r>
-            <a:endParaRPr lang="en-US" dirty="0"/>
           </a:p>
         </p:txBody>
       </p:sp>
@@ -2605,7 +2743,7 @@
           <a:p>
             <a:fld id="{846CE7D5-CF57-46EF-B807-FDD0502418D4}" type="datetimeFigureOut">
               <a:rPr lang="en-US" smtClean="0"/>
-              <a:t>11/29/2018</a:t>
+              <a:t>12/4/2018</a:t>
             </a:fld>
             <a:endParaRPr lang="en-US"/>
           </a:p>
@@ -2692,23 +2830,23 @@
     </p:spTree>
     <p:extLst>
       <p:ext uri="{BB962C8B-B14F-4D97-AF65-F5344CB8AC3E}">
-        <p14:creationId xmlns:p14="http://schemas.microsoft.com/office/powerpoint/2010/main" val="2460954070"/>
+        <p14:creationId xmlns:p14="http://schemas.microsoft.com/office/powerpoint/2010/main" val="438304044"/>
       </p:ext>
     </p:extLst>
   </p:cSld>
-  <p:clrMap bg1="lt1" tx1="dk1" bg2="lt2" tx2="dk2" accent1="accent1" accent2="accent2" accent3="accent3" accent4="accent4" accent5="accent5" accent6="accent6" hlink="hlink" folHlink="folHlink"/>
+  <p:clrMap bg1="dk1" tx1="lt1" bg2="dk2" tx2="lt2" accent1="accent1" accent2="accent2" accent3="accent3" accent4="accent4" accent5="accent5" accent6="accent6" hlink="hlink" folHlink="folHlink"/>
   <p:sldLayoutIdLst>
-    <p:sldLayoutId id="2147483661" r:id="rId1"/>
-    <p:sldLayoutId id="2147483662" r:id="rId2"/>
-    <p:sldLayoutId id="2147483663" r:id="rId3"/>
-    <p:sldLayoutId id="2147483664" r:id="rId4"/>
-    <p:sldLayoutId id="2147483665" r:id="rId5"/>
-    <p:sldLayoutId id="2147483666" r:id="rId6"/>
-    <p:sldLayoutId id="2147483667" r:id="rId7"/>
-    <p:sldLayoutId id="2147483668" r:id="rId8"/>
-    <p:sldLayoutId id="2147483669" r:id="rId9"/>
-    <p:sldLayoutId id="2147483670" r:id="rId10"/>
-    <p:sldLayoutId id="2147483671" r:id="rId11"/>
+    <p:sldLayoutId id="2147483709" r:id="rId1"/>
+    <p:sldLayoutId id="2147483710" r:id="rId2"/>
+    <p:sldLayoutId id="2147483711" r:id="rId3"/>
+    <p:sldLayoutId id="2147483712" r:id="rId4"/>
+    <p:sldLayoutId id="2147483713" r:id="rId5"/>
+    <p:sldLayoutId id="2147483714" r:id="rId6"/>
+    <p:sldLayoutId id="2147483715" r:id="rId7"/>
+    <p:sldLayoutId id="2147483716" r:id="rId8"/>
+    <p:sldLayoutId id="2147483717" r:id="rId9"/>
+    <p:sldLayoutId id="2147483718" r:id="rId10"/>
+    <p:sldLayoutId id="2147483719" r:id="rId11"/>
   </p:sldLayoutIdLst>
   <p:txStyles>
     <p:titleStyle>
@@ -2996,6 +3134,14 @@
 <file path=ppt/slides/slide1.xml><?xml version="1.0" encoding="utf-8"?>
 <p:sld xmlns:a="http://schemas.openxmlformats.org/drawingml/2006/main" xmlns:r="http://schemas.openxmlformats.org/officeDocument/2006/relationships" xmlns:p="http://schemas.openxmlformats.org/presentationml/2006/main">
   <p:cSld>
+    <p:bg>
+      <p:bgPr>
+        <a:solidFill>
+          <a:schemeClr val="bg1"/>
+        </a:solidFill>
+        <a:effectLst/>
+      </p:bgPr>
+    </p:bg>
     <p:spTree>
       <p:nvGrpSpPr>
         <p:cNvPr id="1" name=""/>
@@ -3012,6 +3158,71 @@
       </p:grpSpPr>
       <p:sp>
         <p:nvSpPr>
+          <p:cNvPr id="5" name="Rectangle 7">
+            <a:extLst>
+              <a:ext uri="{FF2B5EF4-FFF2-40B4-BE49-F238E27FC236}">
+                <a16:creationId xmlns:a16="http://schemas.microsoft.com/office/drawing/2014/main" id="{6F9EB9F2-07E2-4D64-BBD8-BB5B217F1218}"/>
+              </a:ext>
+              <a:ext uri="{C183D7F6-B498-43B3-948B-1728B52AA6E4}">
+                <adec:decorative xmlns:adec="http://schemas.microsoft.com/office/drawing/2017/decorative" val="1"/>
+              </a:ext>
+            </a:extLst>
+          </p:cNvPr>
+          <p:cNvSpPr>
+            <a:spLocks noGrp="1" noRot="1" noChangeAspect="1" noMove="1" noResize="1" noEditPoints="1" noAdjustHandles="1" noChangeArrowheads="1" noChangeShapeType="1" noTextEdit="1"/>
+          </p:cNvSpPr>
+          <p:nvPr>
+            <p:extLst>
+              <p:ext uri="{386F3935-93C4-4BCD-93E2-E3B085C9AB24}">
+                <p16:designElem xmlns:p16="http://schemas.microsoft.com/office/powerpoint/2015/main" val="1"/>
+              </p:ext>
+            </p:extLst>
+          </p:nvPr>
+        </p:nvSpPr>
+        <p:spPr bwMode="ltGray">
+          <a:xfrm>
+            <a:off x="321564" y="320040"/>
+            <a:ext cx="11548872" cy="6217920"/>
+          </a:xfrm>
+          <a:prstGeom prst="rect">
+            <a:avLst/>
+          </a:prstGeom>
+          <a:solidFill>
+            <a:schemeClr val="tx1">
+              <a:alpha val="12000"/>
+            </a:schemeClr>
+          </a:solidFill>
+          <a:ln w="127000" cap="sq" cmpd="thinThick">
+            <a:noFill/>
+          </a:ln>
+        </p:spPr>
+        <p:style>
+          <a:lnRef idx="2">
+            <a:schemeClr val="accent1">
+              <a:shade val="50000"/>
+            </a:schemeClr>
+          </a:lnRef>
+          <a:fillRef idx="1">
+            <a:schemeClr val="accent1"/>
+          </a:fillRef>
+          <a:effectRef idx="0">
+            <a:schemeClr val="accent1"/>
+          </a:effectRef>
+          <a:fontRef idx="minor">
+            <a:schemeClr val="lt1"/>
+          </a:fontRef>
+        </p:style>
+        <p:txBody>
+          <a:bodyPr rtlCol="0" anchor="ctr"/>
+          <a:lstStyle/>
+          <a:p>
+            <a:pPr algn="ctr"/>
+            <a:endParaRPr lang="en-US"/>
+          </a:p>
+        </p:txBody>
+      </p:sp>
+      <p:sp>
+        <p:nvSpPr>
           <p:cNvPr id="2" name="Title 1"/>
           <p:cNvSpPr>
             <a:spLocks noGrp="1"/>
@@ -3020,18 +3231,39 @@
             <p:ph type="ctrTitle"/>
           </p:nvPr>
         </p:nvSpPr>
-        <p:spPr/>
-        <p:txBody>
-          <a:bodyPr/>
-          <a:lstStyle/>
-          <a:p>
-            <a:r>
-              <a:rPr lang="en-US" dirty="0">
+        <p:spPr>
+          <a:xfrm>
+            <a:off x="4380588" y="965199"/>
+            <a:ext cx="6766078" cy="4927601"/>
+          </a:xfrm>
+        </p:spPr>
+        <p:txBody>
+          <a:bodyPr anchor="ctr">
+            <a:normAutofit/>
+          </a:bodyPr>
+          <a:lstStyle/>
+          <a:p>
+            <a:pPr algn="l"/>
+            <a:r>
+              <a:rPr lang="en-US" sz="5400">
+                <a:solidFill>
+                  <a:schemeClr val="tx1">
+                    <a:lumMod val="85000"/>
+                    <a:lumOff val="15000"/>
+                  </a:schemeClr>
+                </a:solidFill>
                 <a:cs typeface="Calibri Light"/>
               </a:rPr>
-              <a:t>FP</a:t>
-            </a:r>
-            <a:endParaRPr lang="en-US" dirty="0"/>
+              <a:t>Fitness Pizza In My Mouth</a:t>
+            </a:r>
+            <a:endParaRPr lang="en-US" sz="5400">
+              <a:solidFill>
+                <a:schemeClr val="tx1">
+                  <a:lumMod val="85000"/>
+                  <a:lumOff val="15000"/>
+                </a:schemeClr>
+              </a:solidFill>
+            </a:endParaRPr>
           </a:p>
         </p:txBody>
       </p:sp>
@@ -3045,30 +3277,104 @@
             <p:ph type="subTitle" idx="1"/>
           </p:nvPr>
         </p:nvSpPr>
-        <p:spPr/>
-        <p:txBody>
-          <a:bodyPr vert="horz" lIns="91440" tIns="45720" rIns="91440" bIns="45720" rtlCol="0" anchor="t">
+        <p:spPr>
+          <a:xfrm>
+            <a:off x="1023257" y="965198"/>
+            <a:ext cx="2707937" cy="4927602"/>
+          </a:xfrm>
+        </p:spPr>
+        <p:txBody>
+          <a:bodyPr vert="horz" lIns="91440" tIns="45720" rIns="91440" bIns="45720" rtlCol="0" anchor="ctr">
             <a:normAutofit/>
           </a:bodyPr>
           <a:lstStyle/>
           <a:p>
-            <a:r>
-              <a:rPr lang="en-US" dirty="0">
+            <a:pPr algn="r"/>
+            <a:r>
+              <a:rPr lang="en-US" sz="2000">
+                <a:solidFill>
+                  <a:schemeClr val="accent1"/>
+                </a:solidFill>
                 <a:cs typeface="Calibri"/>
               </a:rPr>
               <a:t>Jasmine Louis-Jacques</a:t>
             </a:r>
           </a:p>
           <a:p>
-            <a:r>
-              <a:rPr lang="en-US" dirty="0">
+            <a:pPr algn="r"/>
+            <a:r>
+              <a:rPr lang="en-US" sz="2000">
+                <a:solidFill>
+                  <a:schemeClr val="accent1"/>
+                </a:solidFill>
                 <a:cs typeface="Calibri"/>
               </a:rPr>
-              <a:t>12/3/2018</a:t>
-            </a:r>
-          </a:p>
-        </p:txBody>
-      </p:sp>
+              <a:t>12/4/2018</a:t>
+            </a:r>
+            <a:endParaRPr lang="en-US" sz="2000">
+              <a:solidFill>
+                <a:schemeClr val="accent1"/>
+              </a:solidFill>
+              <a:cs typeface="Arial"/>
+            </a:endParaRPr>
+          </a:p>
+        </p:txBody>
+      </p:sp>
+      <p:cxnSp>
+        <p:nvCxnSpPr>
+          <p:cNvPr id="6" name="Straight Connector 9">
+            <a:extLst>
+              <a:ext uri="{FF2B5EF4-FFF2-40B4-BE49-F238E27FC236}">
+                <a16:creationId xmlns:a16="http://schemas.microsoft.com/office/drawing/2014/main" id="{F0C57C7C-DFE9-4A1E-B7A9-DF40E63366BB}"/>
+              </a:ext>
+              <a:ext uri="{C183D7F6-B498-43B3-948B-1728B52AA6E4}">
+                <adec:decorative xmlns:adec="http://schemas.microsoft.com/office/drawing/2017/decorative" val="1"/>
+              </a:ext>
+            </a:extLst>
+          </p:cNvPr>
+          <p:cNvCxnSpPr>
+            <a:cxnSpLocks noGrp="1" noRot="1" noChangeAspect="1" noMove="1" noResize="1" noEditPoints="1" noAdjustHandles="1" noChangeArrowheads="1" noChangeShapeType="1"/>
+          </p:cNvCxnSpPr>
+          <p:nvPr>
+            <p:extLst>
+              <p:ext uri="{386F3935-93C4-4BCD-93E2-E3B085C9AB24}">
+                <p16:designElem xmlns:p16="http://schemas.microsoft.com/office/powerpoint/2015/main" val="1"/>
+              </p:ext>
+            </p:extLst>
+          </p:nvPr>
+        </p:nvCxnSpPr>
+        <p:spPr>
+          <a:xfrm>
+            <a:off x="4055891" y="2057399"/>
+            <a:ext cx="0" cy="2743200"/>
+          </a:xfrm>
+          <a:prstGeom prst="line">
+            <a:avLst/>
+          </a:prstGeom>
+          <a:ln w="19050">
+            <a:solidFill>
+              <a:schemeClr val="tx1">
+                <a:lumMod val="85000"/>
+                <a:lumOff val="15000"/>
+              </a:schemeClr>
+            </a:solidFill>
+          </a:ln>
+        </p:spPr>
+        <p:style>
+          <a:lnRef idx="1">
+            <a:schemeClr val="accent1"/>
+          </a:lnRef>
+          <a:fillRef idx="0">
+            <a:schemeClr val="accent1"/>
+          </a:fillRef>
+          <a:effectRef idx="0">
+            <a:schemeClr val="accent1"/>
+          </a:effectRef>
+          <a:fontRef idx="minor">
+            <a:schemeClr val="tx1"/>
+          </a:fontRef>
+        </p:style>
+      </p:cxnSp>
     </p:spTree>
     <p:extLst>
       <p:ext uri="{BB962C8B-B14F-4D97-AF65-F5344CB8AC3E}">
@@ -3082,8 +3388,218 @@
 </p:sld>
 </file>
 
+<file path=ppt/slides/slide2.xml><?xml version="1.0" encoding="utf-8"?>
+<p:sld xmlns:a="http://schemas.openxmlformats.org/drawingml/2006/main" xmlns:r="http://schemas.openxmlformats.org/officeDocument/2006/relationships" xmlns:p="http://schemas.openxmlformats.org/presentationml/2006/main">
+  <p:cSld>
+    <p:spTree>
+      <p:nvGrpSpPr>
+        <p:cNvPr id="1" name=""/>
+        <p:cNvGrpSpPr/>
+        <p:nvPr/>
+      </p:nvGrpSpPr>
+      <p:grpSpPr>
+        <a:xfrm>
+          <a:off x="0" y="0"/>
+          <a:ext cx="0" cy="0"/>
+          <a:chOff x="0" y="0"/>
+          <a:chExt cx="0" cy="0"/>
+        </a:xfrm>
+      </p:grpSpPr>
+      <p:pic>
+        <p:nvPicPr>
+          <p:cNvPr id="6" name="Picture 6" descr="A close up of a logo&#10;&#10;Description generated with very high confidence">
+            <a:extLst>
+              <a:ext uri="{FF2B5EF4-FFF2-40B4-BE49-F238E27FC236}">
+                <a16:creationId xmlns:a16="http://schemas.microsoft.com/office/drawing/2014/main" id="{4E96DC5F-4B3E-4A7D-AFBA-18C812FD5B58}"/>
+              </a:ext>
+            </a:extLst>
+          </p:cNvPr>
+          <p:cNvPicPr>
+            <a:picLocks noChangeAspect="1"/>
+          </p:cNvPicPr>
+          <p:nvPr/>
+        </p:nvPicPr>
+        <p:blipFill>
+          <a:blip r:embed="rId2"/>
+          <a:stretch>
+            <a:fillRect/>
+          </a:stretch>
+        </p:blipFill>
+        <p:spPr>
+          <a:xfrm>
+            <a:off x="-3672" y="-989"/>
+            <a:ext cx="4074405" cy="2067640"/>
+          </a:xfrm>
+          <a:prstGeom prst="rect">
+            <a:avLst/>
+          </a:prstGeom>
+        </p:spPr>
+      </p:pic>
+      <p:pic>
+        <p:nvPicPr>
+          <p:cNvPr id="8" name="Picture 8" descr="A screenshot of a computer&#10;&#10;Description generated with high confidence">
+            <a:extLst>
+              <a:ext uri="{FF2B5EF4-FFF2-40B4-BE49-F238E27FC236}">
+                <a16:creationId xmlns:a16="http://schemas.microsoft.com/office/drawing/2014/main" id="{59A71A49-DCE2-4870-8A1E-6AE4E33AD549}"/>
+              </a:ext>
+            </a:extLst>
+          </p:cNvPr>
+          <p:cNvPicPr>
+            <a:picLocks noChangeAspect="1"/>
+          </p:cNvPicPr>
+          <p:nvPr/>
+        </p:nvPicPr>
+        <p:blipFill>
+          <a:blip r:embed="rId3"/>
+          <a:stretch>
+            <a:fillRect/>
+          </a:stretch>
+        </p:blipFill>
+        <p:spPr>
+          <a:xfrm>
+            <a:off x="170762" y="2262403"/>
+            <a:ext cx="5745296" cy="2369919"/>
+          </a:xfrm>
+          <a:prstGeom prst="rect">
+            <a:avLst/>
+          </a:prstGeom>
+        </p:spPr>
+      </p:pic>
+      <p:pic>
+        <p:nvPicPr>
+          <p:cNvPr id="10" name="Picture 10" descr="A screenshot of a cell phone&#10;&#10;Description generated with very high confidence">
+            <a:extLst>
+              <a:ext uri="{FF2B5EF4-FFF2-40B4-BE49-F238E27FC236}">
+                <a16:creationId xmlns:a16="http://schemas.microsoft.com/office/drawing/2014/main" id="{4AF8DAAE-0B36-4B17-8CBC-5927BA33527B}"/>
+              </a:ext>
+            </a:extLst>
+          </p:cNvPr>
+          <p:cNvPicPr>
+            <a:picLocks noChangeAspect="1"/>
+          </p:cNvPicPr>
+          <p:nvPr/>
+        </p:nvPicPr>
+        <p:blipFill>
+          <a:blip r:embed="rId4"/>
+          <a:stretch>
+            <a:fillRect/>
+          </a:stretch>
+        </p:blipFill>
+        <p:spPr>
+          <a:xfrm>
+            <a:off x="1841653" y="4773387"/>
+            <a:ext cx="4707874" cy="1616985"/>
+          </a:xfrm>
+          <a:prstGeom prst="rect">
+            <a:avLst/>
+          </a:prstGeom>
+        </p:spPr>
+      </p:pic>
+      <p:pic>
+        <p:nvPicPr>
+          <p:cNvPr id="14" name="Picture 14" descr="A close up of a logo&#10;&#10;Description generated with high confidence">
+            <a:extLst>
+              <a:ext uri="{FF2B5EF4-FFF2-40B4-BE49-F238E27FC236}">
+                <a16:creationId xmlns:a16="http://schemas.microsoft.com/office/drawing/2014/main" id="{C368459C-AEC6-48E5-A412-C94DBAD1C7FA}"/>
+              </a:ext>
+            </a:extLst>
+          </p:cNvPr>
+          <p:cNvPicPr>
+            <a:picLocks noChangeAspect="1"/>
+          </p:cNvPicPr>
+          <p:nvPr/>
+        </p:nvPicPr>
+        <p:blipFill>
+          <a:blip r:embed="rId5"/>
+          <a:stretch>
+            <a:fillRect/>
+          </a:stretch>
+        </p:blipFill>
+        <p:spPr>
+          <a:xfrm>
+            <a:off x="5550665" y="2853280"/>
+            <a:ext cx="5616766" cy="1830814"/>
+          </a:xfrm>
+          <a:prstGeom prst="rect">
+            <a:avLst/>
+          </a:prstGeom>
+        </p:spPr>
+      </p:pic>
+      <p:pic>
+        <p:nvPicPr>
+          <p:cNvPr id="4" name="Picture 4" descr="A screenshot of a computer&#10;&#10;Description generated with high confidence">
+            <a:extLst>
+              <a:ext uri="{FF2B5EF4-FFF2-40B4-BE49-F238E27FC236}">
+                <a16:creationId xmlns:a16="http://schemas.microsoft.com/office/drawing/2014/main" id="{EBA08DBE-B8CB-47E8-B503-59F658212C5A}"/>
+              </a:ext>
+            </a:extLst>
+          </p:cNvPr>
+          <p:cNvPicPr>
+            <a:picLocks noChangeAspect="1"/>
+          </p:cNvPicPr>
+          <p:nvPr/>
+        </p:nvPicPr>
+        <p:blipFill>
+          <a:blip r:embed="rId6"/>
+          <a:stretch>
+            <a:fillRect/>
+          </a:stretch>
+        </p:blipFill>
+        <p:spPr>
+          <a:xfrm>
+            <a:off x="4063389" y="34394"/>
+            <a:ext cx="5157729" cy="2465089"/>
+          </a:xfrm>
+          <a:prstGeom prst="rect">
+            <a:avLst/>
+          </a:prstGeom>
+        </p:spPr>
+      </p:pic>
+      <p:pic>
+        <p:nvPicPr>
+          <p:cNvPr id="12" name="Picture 12" descr="A screenshot of a computer screen&#10;&#10;Description generated with very high confidence">
+            <a:extLst>
+              <a:ext uri="{FF2B5EF4-FFF2-40B4-BE49-F238E27FC236}">
+                <a16:creationId xmlns:a16="http://schemas.microsoft.com/office/drawing/2014/main" id="{04B6D065-943D-4124-B32A-06768F903697}"/>
+              </a:ext>
+            </a:extLst>
+          </p:cNvPr>
+          <p:cNvPicPr>
+            <a:picLocks noChangeAspect="1"/>
+          </p:cNvPicPr>
+          <p:nvPr/>
+        </p:nvPicPr>
+        <p:blipFill>
+          <a:blip r:embed="rId7"/>
+          <a:stretch>
+            <a:fillRect/>
+          </a:stretch>
+        </p:blipFill>
+        <p:spPr>
+          <a:xfrm>
+            <a:off x="7772400" y="392664"/>
+            <a:ext cx="4359007" cy="2225949"/>
+          </a:xfrm>
+          <a:prstGeom prst="rect">
+            <a:avLst/>
+          </a:prstGeom>
+        </p:spPr>
+      </p:pic>
+    </p:spTree>
+    <p:extLst>
+      <p:ext uri="{BB962C8B-B14F-4D97-AF65-F5344CB8AC3E}">
+        <p14:creationId xmlns:p14="http://schemas.microsoft.com/office/powerpoint/2010/main" val="727133730"/>
+      </p:ext>
+    </p:extLst>
+  </p:cSld>
+  <p:clrMapOvr>
+    <a:masterClrMapping/>
+  </p:clrMapOvr>
+</p:sld>
+</file>
+
 <file path=ppt/theme/theme1.xml><?xml version="1.0" encoding="utf-8"?>
-<a:theme xmlns:a="http://schemas.openxmlformats.org/drawingml/2006/main" name="office theme">
+<a:theme xmlns:a="http://schemas.openxmlformats.org/drawingml/2006/main" name="Office Theme">
   <a:themeElements>
     <a:clrScheme name="Office Theme">
       <a:dk1>
@@ -3128,9 +3644,9 @@
         <a:latin typeface="Calibri Light" panose="020F0302020204030204"/>
         <a:ea typeface=""/>
         <a:cs typeface=""/>
-        <a:font script="Jpan" typeface="ＭＳ Ｐゴシック"/>
+        <a:font script="Jpan" typeface="游ゴシック Light"/>
         <a:font script="Hang" typeface="맑은 고딕"/>
-        <a:font script="Hans" typeface="宋体"/>
+        <a:font script="Hans" typeface="等线 Light"/>
         <a:font script="Hant" typeface="新細明體"/>
         <a:font script="Arab" typeface="Times New Roman"/>
         <a:font script="Hebr" typeface="Times New Roman"/>
@@ -3163,9 +3679,9 @@
         <a:latin typeface="Calibri" panose="020F0502020204030204"/>
         <a:ea typeface=""/>
         <a:cs typeface=""/>
-        <a:font script="Jpan" typeface="ＭＳ Ｐゴシック"/>
+        <a:font script="Jpan" typeface="游ゴシック"/>
         <a:font script="Hang" typeface="맑은 고딕"/>
-        <a:font script="Hans" typeface="宋体"/>
+        <a:font script="Hans" typeface="等线"/>
         <a:font script="Hant" typeface="新細明體"/>
         <a:font script="Arab" typeface="Arial"/>
         <a:font script="Hebr" typeface="Arial"/>
@@ -3337,7 +3853,7 @@
   <a:extraClrSchemeLst/>
   <a:extLst>
     <a:ext uri="{05A4C25C-085E-4340-85A3-A5531E510DB2}">
-      <thm15:themeFamily xmlns:thm15="http://schemas.microsoft.com/office/thememl/2012/main" name="Office Theme" id="{62F939B6-93AF-4DB8-9C6B-D6C7DFDC589F}" vid="{4A3C46E8-61CC-4603-A589-7422A47A8E4A}"/>
+      <thm15:themeFamily xmlns:thm15="http://schemas.microsoft.com/office/thememl/2012/main" name="Office Theme" id="{62F939B6-93AF-4DB8-9C6B-D6C7DFDC589F}" vid="{4F46216B-77A9-411A-B9D3-5023FCB70208}"/>
     </a:ext>
   </a:extLst>
 </a:theme>
